--- a/end_result/verslag_en_presentatie/voorstellen.pptx
+++ b/end_result/verslag_en_presentatie/voorstellen.pptx
@@ -8911,7 +8911,7 @@
           <a:p>
             <a:fld id="{0F9E9023-FC40-41FB-8DBA-28C3B241B59F}" type="datetimeFigureOut">
               <a:rPr lang="nl-NL" smtClean="0"/>
-              <a:t>29-4-2016</a:t>
+              <a:t>18-5-2016</a:t>
             </a:fld>
             <a:endParaRPr lang="nl-NL"/>
           </a:p>
@@ -9118,7 +9118,7 @@
           <a:p>
             <a:fld id="{0F9E9023-FC40-41FB-8DBA-28C3B241B59F}" type="datetimeFigureOut">
               <a:rPr lang="nl-NL" smtClean="0"/>
-              <a:t>29-4-2016</a:t>
+              <a:t>18-5-2016</a:t>
             </a:fld>
             <a:endParaRPr lang="nl-NL"/>
           </a:p>
@@ -9298,7 +9298,7 @@
           <a:p>
             <a:fld id="{0F9E9023-FC40-41FB-8DBA-28C3B241B59F}" type="datetimeFigureOut">
               <a:rPr lang="nl-NL" smtClean="0"/>
-              <a:t>29-4-2016</a:t>
+              <a:t>18-5-2016</a:t>
             </a:fld>
             <a:endParaRPr lang="nl-NL"/>
           </a:p>
@@ -9503,7 +9503,7 @@
           <a:p>
             <a:fld id="{0F9E9023-FC40-41FB-8DBA-28C3B241B59F}" type="datetimeFigureOut">
               <a:rPr lang="nl-NL" smtClean="0"/>
-              <a:t>29-4-2016</a:t>
+              <a:t>18-5-2016</a:t>
             </a:fld>
             <a:endParaRPr lang="nl-NL"/>
           </a:p>
@@ -18401,7 +18401,7 @@
           <a:p>
             <a:fld id="{0F9E9023-FC40-41FB-8DBA-28C3B241B59F}" type="datetimeFigureOut">
               <a:rPr lang="nl-NL" smtClean="0"/>
-              <a:t>29-4-2016</a:t>
+              <a:t>18-5-2016</a:t>
             </a:fld>
             <a:endParaRPr lang="nl-NL"/>
           </a:p>
@@ -18675,7 +18675,7 @@
           <a:p>
             <a:fld id="{0F9E9023-FC40-41FB-8DBA-28C3B241B59F}" type="datetimeFigureOut">
               <a:rPr lang="nl-NL" smtClean="0"/>
-              <a:t>29-4-2016</a:t>
+              <a:t>18-5-2016</a:t>
             </a:fld>
             <a:endParaRPr lang="nl-NL"/>
           </a:p>
@@ -19073,7 +19073,7 @@
           <a:p>
             <a:fld id="{0F9E9023-FC40-41FB-8DBA-28C3B241B59F}" type="datetimeFigureOut">
               <a:rPr lang="nl-NL" smtClean="0"/>
-              <a:t>29-4-2016</a:t>
+              <a:t>18-5-2016</a:t>
             </a:fld>
             <a:endParaRPr lang="nl-NL"/>
           </a:p>
@@ -19191,7 +19191,7 @@
           <a:p>
             <a:fld id="{0F9E9023-FC40-41FB-8DBA-28C3B241B59F}" type="datetimeFigureOut">
               <a:rPr lang="nl-NL" smtClean="0"/>
-              <a:t>29-4-2016</a:t>
+              <a:t>18-5-2016</a:t>
             </a:fld>
             <a:endParaRPr lang="nl-NL"/>
           </a:p>
@@ -19286,7 +19286,7 @@
           <a:p>
             <a:fld id="{0F9E9023-FC40-41FB-8DBA-28C3B241B59F}" type="datetimeFigureOut">
               <a:rPr lang="nl-NL" smtClean="0"/>
-              <a:t>29-4-2016</a:t>
+              <a:t>18-5-2016</a:t>
             </a:fld>
             <a:endParaRPr lang="nl-NL"/>
           </a:p>
@@ -19576,7 +19576,7 @@
           <a:p>
             <a:fld id="{0F9E9023-FC40-41FB-8DBA-28C3B241B59F}" type="datetimeFigureOut">
               <a:rPr lang="nl-NL" smtClean="0"/>
-              <a:t>29-4-2016</a:t>
+              <a:t>18-5-2016</a:t>
             </a:fld>
             <a:endParaRPr lang="nl-NL"/>
           </a:p>
@@ -19856,7 +19856,7 @@
           <a:p>
             <a:fld id="{0F9E9023-FC40-41FB-8DBA-28C3B241B59F}" type="datetimeFigureOut">
               <a:rPr lang="nl-NL" smtClean="0"/>
-              <a:t>29-4-2016</a:t>
+              <a:t>18-5-2016</a:t>
             </a:fld>
             <a:endParaRPr lang="nl-NL"/>
           </a:p>
@@ -20106,7 +20106,7 @@
           <a:p>
             <a:fld id="{0F9E9023-FC40-41FB-8DBA-28C3B241B59F}" type="datetimeFigureOut">
               <a:rPr lang="nl-NL" smtClean="0"/>
-              <a:t>29-4-2016</a:t>
+              <a:t>18-5-2016</a:t>
             </a:fld>
             <a:endParaRPr lang="nl-NL"/>
           </a:p>
@@ -20744,7 +20744,7 @@
         <p:spPr/>
         <p:txBody>
           <a:bodyPr>
-            <a:normAutofit/>
+            <a:normAutofit fontScale="92500" lnSpcReduction="20000"/>
           </a:bodyPr>
           <a:lstStyle/>
           <a:p>
@@ -20754,7 +20754,11 @@
             </a:pPr>
             <a:r>
               <a:rPr lang="nl-NL" sz="2800" dirty="0" smtClean="0"/>
-              <a:t>Vakken:		29</a:t>
+              <a:t>Vakken:		</a:t>
+            </a:r>
+            <a:r>
+              <a:rPr lang="nl-NL" sz="2800" dirty="0" smtClean="0"/>
+              <a:t>		29</a:t>
             </a:r>
             <a:endParaRPr lang="nl-NL" sz="2800" dirty="0"/>
           </a:p>
@@ -20765,7 +20769,41 @@
             </a:pPr>
             <a:r>
               <a:rPr lang="nl-NL" sz="2800" dirty="0" smtClean="0"/>
-              <a:t>Studenten:		610 </a:t>
+              <a:t>Studenten:		</a:t>
+            </a:r>
+            <a:r>
+              <a:rPr lang="nl-NL" sz="2800" dirty="0" smtClean="0"/>
+              <a:t>		610 </a:t>
+            </a:r>
+            <a:endParaRPr lang="nl-NL" sz="2800" dirty="0" smtClean="0"/>
+          </a:p>
+          <a:p>
+            <a:pPr>
+              <a:buFont typeface="Wingdings" panose="05000000000000000000" pitchFamily="2" charset="2"/>
+              <a:buChar char="v"/>
+            </a:pPr>
+            <a:r>
+              <a:rPr lang="nl-NL" sz="2800" dirty="0" smtClean="0"/>
+              <a:t>Lokalen:		</a:t>
+            </a:r>
+            <a:r>
+              <a:rPr lang="nl-NL" sz="2800" dirty="0" smtClean="0"/>
+              <a:t>		7</a:t>
+            </a:r>
+            <a:endParaRPr lang="nl-NL" sz="2800" dirty="0" smtClean="0"/>
+          </a:p>
+          <a:p>
+            <a:pPr>
+              <a:buFont typeface="Wingdings" panose="05000000000000000000" pitchFamily="2" charset="2"/>
+              <a:buChar char="v"/>
+            </a:pPr>
+            <a:r>
+              <a:rPr lang="nl-NL" sz="2800" dirty="0" smtClean="0"/>
+              <a:t>Tijdsloten/dag:	</a:t>
+            </a:r>
+            <a:r>
+              <a:rPr lang="nl-NL" sz="2800" dirty="0" smtClean="0"/>
+              <a:t>		4</a:t>
             </a:r>
           </a:p>
           <a:p>
@@ -20775,7 +20813,7 @@
             </a:pPr>
             <a:r>
               <a:rPr lang="nl-NL" sz="2800" dirty="0" smtClean="0"/>
-              <a:t>Lokalen:		7</a:t>
+              <a:t>Tot te roosteren groepen: 	124</a:t>
             </a:r>
           </a:p>
           <a:p>
@@ -20785,8 +20823,9 @@
             </a:pPr>
             <a:r>
               <a:rPr lang="nl-NL" sz="2800" dirty="0" smtClean="0"/>
-              <a:t>Tijdsloten/dag:	4</a:t>
+              <a:t>Totaal lege lokalen: 		16</a:t>
             </a:r>
+            <a:endParaRPr lang="nl-NL" sz="2800" dirty="0" smtClean="0"/>
           </a:p>
           <a:p>
             <a:pPr marL="0" indent="0">
@@ -20806,7 +20845,6 @@
               <a:rPr lang="nl-NL" sz="2800" dirty="0" smtClean="0"/>
               <a:t>Toestandsruimte:	</a:t>
             </a:r>
-            <a:endParaRPr lang="nl-NL" sz="2800" dirty="0" smtClean="0"/>
           </a:p>
           <a:p>
             <a:pPr lvl="2">
@@ -20843,7 +20881,7 @@
         </p:blipFill>
         <p:spPr>
           <a:xfrm>
-            <a:off x="5381745" y="2084832"/>
+            <a:off x="6613779" y="1335024"/>
             <a:ext cx="6112263" cy="4077656"/>
           </a:xfrm>
           <a:prstGeom prst="rect">
@@ -21205,22 +21243,57 @@
           <a:bodyPr/>
           <a:lstStyle/>
           <a:p>
+            <a:pPr>
+              <a:buFont typeface="Wingdings" panose="05000000000000000000" pitchFamily="2" charset="2"/>
+              <a:buChar char="v"/>
+            </a:pPr>
             <a:r>
               <a:rPr lang="nl-NL" dirty="0" smtClean="0"/>
-              <a:t>Werkgroepindeling</a:t>
+              <a:t> Random </a:t>
             </a:r>
           </a:p>
           <a:p>
+            <a:pPr>
+              <a:buFont typeface="Wingdings" panose="05000000000000000000" pitchFamily="2" charset="2"/>
+              <a:buChar char="v"/>
+            </a:pPr>
+            <a:r>
+              <a:rPr lang="nl-NL" dirty="0"/>
+              <a:t> </a:t>
+            </a:r>
             <a:r>
               <a:rPr lang="nl-NL" dirty="0" smtClean="0"/>
-              <a:t>Leeg rooster</a:t>
+              <a:t>Hill Climber</a:t>
             </a:r>
           </a:p>
           <a:p>
+            <a:pPr>
+              <a:buFont typeface="Wingdings" panose="05000000000000000000" pitchFamily="2" charset="2"/>
+              <a:buChar char="v"/>
+            </a:pPr>
+            <a:r>
+              <a:rPr lang="nl-NL" dirty="0"/>
+              <a:t> </a:t>
+            </a:r>
             <a:r>
               <a:rPr lang="nl-NL" dirty="0" smtClean="0"/>
-              <a:t>Max overlap 21 leerlingen van de 112_calcII/??_java2</a:t>
+              <a:t>Simulated Annealing</a:t>
             </a:r>
+          </a:p>
+          <a:p>
+            <a:pPr>
+              <a:buFont typeface="Wingdings" panose="05000000000000000000" pitchFamily="2" charset="2"/>
+              <a:buChar char="v"/>
+            </a:pPr>
+            <a:r>
+              <a:rPr lang="nl-NL" dirty="0"/>
+              <a:t> </a:t>
+            </a:r>
+            <a:r>
+              <a:rPr lang="nl-NL" dirty="0" smtClean="0"/>
+              <a:t>Genetisch algoritme</a:t>
+            </a:r>
+            <a:endParaRPr lang="nl-NL" dirty="0" smtClean="0"/>
           </a:p>
           <a:p>
             <a:endParaRPr lang="nl-NL" dirty="0"/>
